--- a/docs/tailrec.pptx
+++ b/docs/tailrec.pptx
@@ -3124,7 +3124,7 @@
             </a:pPr>
             <a:r>
               <a:rPr lang="en-US" dirty="0"/>
-              <a:t>The example used during this brownbag is taken directly from Alvin Alexander’s fantastic book – “Functional Programming, Simplified: (Scala Edition)”</a:t>
+              <a:t>The example used during this session is taken directly from Alvin Alexander’s fantastic book – “Functional Programming, Simplified: (Scala Edition)”</a:t>
             </a:r>
           </a:p>
           <a:p>

--- a/docs/tailrec.pptx
+++ b/docs/tailrec.pptx
@@ -3974,7 +3974,7 @@
           <a:p>
             <a:r>
               <a:rPr lang="en-GB" dirty="0"/>
-              <a:t>Let’s Break Stuff</a:t>
+              <a:t>The Problem</a:t>
             </a:r>
             <a:endParaRPr lang="en-US" sz="2000" dirty="0">
               <a:solidFill>
@@ -4001,7 +4001,7 @@
         <p:spPr>
           <a:xfrm>
             <a:off x="596901" y="1601786"/>
-            <a:ext cx="10510838" cy="3046413"/>
+            <a:ext cx="10510838" cy="3970339"/>
           </a:xfrm>
           <a:prstGeom prst="rect">
             <a:avLst/>
@@ -4171,6 +4171,19 @@
             <a:r>
               <a:rPr lang="en-GB" dirty="0"/>
               <a:t>Can our code handle summing all the numbers to a million?</a:t>
+            </a:r>
+          </a:p>
+          <a:p>
+            <a:r>
+              <a:rPr lang="en-GB" dirty="0"/>
+              <a:t>What happens if we have a list with a much higher (or unknown) quantity of elements?</a:t>
+            </a:r>
+          </a:p>
+          <a:p>
+            <a:pPr lvl="1"/>
+            <a:r>
+              <a:rPr lang="en-GB" dirty="0"/>
+              <a:t>sum(List(1 to n)) =&gt; ???</a:t>
             </a:r>
           </a:p>
         </p:txBody>
@@ -4412,7 +4425,7 @@
           <a:p>
             <a:r>
               <a:rPr lang="en-GB" dirty="0"/>
-              <a:t>Adding the @</a:t>
+              <a:t>Add the @</a:t>
             </a:r>
             <a:r>
               <a:rPr lang="en-GB" dirty="0" err="1"/>
@@ -4674,7 +4687,7 @@
           <a:p>
             <a:r>
               <a:rPr lang="en-GB" dirty="0"/>
-              <a:t>Tail recursion can make iterating over large data structures much more efficient and alleviate the dreaded </a:t>
+              <a:t>Tail recursion can make iterating over large data structures much more efficient and help alleviate the dreaded </a:t>
             </a:r>
             <a:r>
               <a:rPr lang="en-GB" dirty="0" err="1"/>
@@ -4715,6 +4728,34 @@
           <a:p>
             <a:r>
               <a:rPr lang="en-GB" dirty="0"/>
+              <a:t>Alvin’s FP book is fantastic, well worth a look</a:t>
+            </a:r>
+          </a:p>
+          <a:p>
+            <a:r>
+              <a:rPr lang="en-GB" dirty="0"/>
+              <a:t>“Rock the JVM” (Daniel </a:t>
+            </a:r>
+            <a:r>
+              <a:rPr lang="en-GB" dirty="0" err="1"/>
+              <a:t>Ciocîrlan</a:t>
+            </a:r>
+            <a:r>
+              <a:rPr lang="en-GB" dirty="0"/>
+              <a:t>) provides an excellent Tail Recursion tutorial </a:t>
+            </a:r>
+            <a:r>
+              <a:rPr lang="en-GB" baseline="30000" dirty="0"/>
+              <a:t>[2]</a:t>
+            </a:r>
+            <a:r>
+              <a:rPr lang="en-GB" dirty="0"/>
+              <a:t>, among many other great tutorials!</a:t>
+            </a:r>
+          </a:p>
+          <a:p>
+            <a:r>
+              <a:rPr lang="en-GB" dirty="0"/>
               <a:t>Code from this session can be found here -&gt; </a:t>
             </a:r>
             <a:r>
@@ -4740,32 +4781,7 @@
             <a:endParaRPr lang="en-GB" dirty="0"/>
           </a:p>
           <a:p>
-            <a:r>
-              <a:rPr lang="en-GB" dirty="0"/>
-              <a:t>Alvin’s FP book is fantastic, well worth a look</a:t>
-            </a:r>
-          </a:p>
-          <a:p>
-            <a:r>
-              <a:rPr lang="en-GB" dirty="0"/>
-              <a:t>“Rock the JVM” (Daniel </a:t>
-            </a:r>
-            <a:r>
-              <a:rPr lang="en-GB" dirty="0" err="1"/>
-              <a:t>Ciocîrlan</a:t>
-            </a:r>
-            <a:r>
-              <a:rPr lang="en-GB" dirty="0"/>
-              <a:t>) provides an excellent Tail Recursion tutorial </a:t>
-            </a:r>
-            <a:r>
-              <a:rPr lang="en-GB" baseline="30000" dirty="0"/>
-              <a:t>[2]</a:t>
-            </a:r>
-            <a:r>
-              <a:rPr lang="en-GB" dirty="0"/>
-              <a:t>, among many other great tutorials!</a:t>
-            </a:r>
+            <a:endParaRPr lang="en-GB" dirty="0"/>
           </a:p>
           <a:p>
             <a:endParaRPr lang="en-GB" dirty="0"/>

--- a/docs/tailrec.pptx
+++ b/docs/tailrec.pptx
@@ -4422,6 +4422,12 @@
               </a:defRPr>
             </a:lvl9pPr>
           </a:lstStyle>
+          <a:p>
+            <a:r>
+              <a:rPr lang="en-GB" dirty="0"/>
+              <a:t>The compiler optimises and controls the numbers of frames required in recursion</a:t>
+            </a:r>
+          </a:p>
           <a:p>
             <a:r>
               <a:rPr lang="en-GB" dirty="0"/>
